--- a/docs/LC50 VALUE PREDICTION.pptx
+++ b/docs/LC50 VALUE PREDICTION.pptx
@@ -13,7 +13,11 @@
     <p:sldId id="304" r:id="rId8"/>
     <p:sldId id="314" r:id="rId9"/>
     <p:sldId id="316" r:id="rId10"/>
-    <p:sldId id="315" r:id="rId11"/>
+    <p:sldId id="321" r:id="rId11"/>
+    <p:sldId id="322" r:id="rId12"/>
+    <p:sldId id="323" r:id="rId13"/>
+    <p:sldId id="324" r:id="rId14"/>
+    <p:sldId id="315" r:id="rId15"/>
   </p:sldIdLst>
   <p:sldSz cx="12192000" cy="6858000"/>
   <p:notesSz cx="6858000" cy="9144000"/>
@@ -118,14 +122,18 @@
         <p14:section name="Default Section" id="{CEFAC478-8C3E-4FE5-9EE3-D570F9B7660E}">
           <p14:sldIdLst>
             <p14:sldId id="298"/>
+            <p14:sldId id="313"/>
             <p14:sldId id="301"/>
             <p14:sldId id="300"/>
-            <p14:sldId id="313"/>
+            <p14:sldId id="302"/>
             <p14:sldId id="304"/>
             <p14:sldId id="314"/>
             <p14:sldId id="316"/>
             <p14:sldId id="315"/>
-            <p14:sldId id="302"/>
+            <p14:sldId id="321"/>
+            <p14:sldId id="322"/>
+            <p14:sldId id="323"/>
+            <p14:sldId id="324"/>
           </p14:sldIdLst>
         </p14:section>
       </p14:sectionLst>
@@ -3485,6 +3493,667 @@
   </p:cSld>
   <p:clrMapOvr>
     <a:overrideClrMapping bg1="dk1" tx1="lt1" bg2="dk2" tx2="lt2" accent1="accent1" accent2="accent2" accent3="accent3" accent4="accent4" accent5="accent5" accent6="accent6" hlink="hlink" folHlink="folHlink"/>
+  </p:clrMapOvr>
+</p:sld>
+</file>
+
+<file path=ppt/slides/slide10.xml><?xml version="1.0" encoding="utf-8"?>
+<p:sld xmlns:a="http://schemas.openxmlformats.org/drawingml/2006/main" xmlns:r="http://schemas.openxmlformats.org/officeDocument/2006/relationships" xmlns:p="http://schemas.openxmlformats.org/presentationml/2006/main">
+  <p:cSld>
+    <p:spTree>
+      <p:nvGrpSpPr>
+        <p:cNvPr id="1" name=""/>
+        <p:cNvGrpSpPr/>
+        <p:nvPr/>
+      </p:nvGrpSpPr>
+      <p:grpSpPr>
+        <a:xfrm>
+          <a:off x="0" y="0"/>
+          <a:ext cx="0" cy="0"/>
+          <a:chOff x="0" y="0"/>
+          <a:chExt cx="0" cy="0"/>
+        </a:xfrm>
+      </p:grpSpPr>
+      <p:sp>
+        <p:nvSpPr>
+          <p:cNvPr id="2" name="Title 1"/>
+          <p:cNvSpPr>
+            <a:spLocks noGrp="1"/>
+          </p:cNvSpPr>
+          <p:nvPr>
+            <p:ph type="title"/>
+          </p:nvPr>
+        </p:nvSpPr>
+        <p:spPr>
+          <a:xfrm>
+            <a:off x="1066800" y="377825"/>
+            <a:ext cx="10058400" cy="1035050"/>
+          </a:xfrm>
+        </p:spPr>
+        <p:txBody>
+          <a:bodyPr/>
+          <a:lstStyle/>
+          <a:p>
+            <a:r>
+              <a:rPr lang="en-US" altLang="en-IN" dirty="0"/>
+              <a:t>Q &amp; A</a:t>
+            </a:r>
+            <a:endParaRPr lang="en-US" altLang="en-IN" dirty="0"/>
+          </a:p>
+        </p:txBody>
+      </p:sp>
+      <p:sp>
+        <p:nvSpPr>
+          <p:cNvPr id="3" name="TextBox 2"/>
+          <p:cNvSpPr txBox="1"/>
+          <p:nvPr/>
+        </p:nvSpPr>
+        <p:spPr>
+          <a:xfrm>
+            <a:off x="1066800" y="2014855"/>
+            <a:ext cx="10663555" cy="3291840"/>
+          </a:xfrm>
+          <a:prstGeom prst="rect">
+            <a:avLst/>
+          </a:prstGeom>
+          <a:noFill/>
+        </p:spPr>
+        <p:txBody>
+          <a:bodyPr wrap="square" rtlCol="0">
+            <a:spAutoFit/>
+          </a:bodyPr>
+          <a:lstStyle/>
+          <a:p>
+            <a:pPr algn="just"/>
+            <a:r>
+              <a:rPr sz="1600" b="1" dirty="0">
+                <a:effectLst/>
+                <a:latin typeface="Calibri" panose="020F0502020204030204" pitchFamily="34" charset="0"/>
+                <a:ea typeface="Calibri" panose="020F0502020204030204" pitchFamily="34" charset="0"/>
+                <a:cs typeface="Calibri" panose="020F0502020204030204" pitchFamily="34" charset="0"/>
+              </a:rPr>
+              <a:t>Q 5) How logs are managed?</a:t>
+            </a:r>
+            <a:endParaRPr sz="1600" b="1" dirty="0">
+              <a:effectLst/>
+              <a:latin typeface="Calibri" panose="020F0502020204030204" pitchFamily="34" charset="0"/>
+              <a:ea typeface="Calibri" panose="020F0502020204030204" pitchFamily="34" charset="0"/>
+              <a:cs typeface="Calibri" panose="020F0502020204030204" pitchFamily="34" charset="0"/>
+            </a:endParaRPr>
+          </a:p>
+          <a:p>
+            <a:pPr algn="just"/>
+            <a:endParaRPr sz="1600" b="1" dirty="0">
+              <a:effectLst/>
+              <a:latin typeface="Calibri" panose="020F0502020204030204" pitchFamily="34" charset="0"/>
+              <a:ea typeface="Calibri" panose="020F0502020204030204" pitchFamily="34" charset="0"/>
+              <a:cs typeface="Calibri" panose="020F0502020204030204" pitchFamily="34" charset="0"/>
+            </a:endParaRPr>
+          </a:p>
+          <a:p>
+            <a:pPr algn="just"/>
+            <a:r>
+              <a:rPr lang="en-US" sz="1600" b="1" dirty="0">
+                <a:effectLst/>
+                <a:latin typeface="Calibri" panose="020F0502020204030204" pitchFamily="34" charset="0"/>
+                <a:ea typeface="Calibri" panose="020F0502020204030204" pitchFamily="34" charset="0"/>
+                <a:cs typeface="Calibri" panose="020F0502020204030204" pitchFamily="34" charset="0"/>
+              </a:rPr>
+              <a:t>Logs were managed using “logging” module in python. The logs are mostly stored for training and validation of the ML models. Logs are available in the git repo.</a:t>
+            </a:r>
+            <a:endParaRPr lang="en-US" sz="1600" b="1" dirty="0">
+              <a:effectLst/>
+              <a:latin typeface="Calibri" panose="020F0502020204030204" pitchFamily="34" charset="0"/>
+              <a:ea typeface="Calibri" panose="020F0502020204030204" pitchFamily="34" charset="0"/>
+              <a:cs typeface="Calibri" panose="020F0502020204030204" pitchFamily="34" charset="0"/>
+            </a:endParaRPr>
+          </a:p>
+          <a:p>
+            <a:pPr algn="just"/>
+            <a:endParaRPr sz="1600" b="1" dirty="0">
+              <a:effectLst/>
+              <a:latin typeface="Calibri" panose="020F0502020204030204" pitchFamily="34" charset="0"/>
+              <a:ea typeface="Calibri" panose="020F0502020204030204" pitchFamily="34" charset="0"/>
+              <a:cs typeface="Calibri" panose="020F0502020204030204" pitchFamily="34" charset="0"/>
+            </a:endParaRPr>
+          </a:p>
+          <a:p>
+            <a:pPr algn="just"/>
+            <a:r>
+              <a:rPr sz="1600" b="1" dirty="0">
+                <a:effectLst/>
+                <a:latin typeface="Calibri" panose="020F0502020204030204" pitchFamily="34" charset="0"/>
+                <a:ea typeface="Calibri" panose="020F0502020204030204" pitchFamily="34" charset="0"/>
+                <a:cs typeface="Calibri" panose="020F0502020204030204" pitchFamily="34" charset="0"/>
+              </a:rPr>
+              <a:t>Q 6) What techniques were you using for data pre-processing?</a:t>
+            </a:r>
+            <a:endParaRPr sz="1600" b="1" dirty="0">
+              <a:effectLst/>
+              <a:latin typeface="Calibri" panose="020F0502020204030204" pitchFamily="34" charset="0"/>
+              <a:ea typeface="Calibri" panose="020F0502020204030204" pitchFamily="34" charset="0"/>
+              <a:cs typeface="Calibri" panose="020F0502020204030204" pitchFamily="34" charset="0"/>
+            </a:endParaRPr>
+          </a:p>
+          <a:p>
+            <a:pPr algn="just"/>
+            <a:endParaRPr sz="1600" b="1" dirty="0">
+              <a:effectLst/>
+              <a:latin typeface="Calibri" panose="020F0502020204030204" pitchFamily="34" charset="0"/>
+              <a:ea typeface="Calibri" panose="020F0502020204030204" pitchFamily="34" charset="0"/>
+              <a:cs typeface="Calibri" panose="020F0502020204030204" pitchFamily="34" charset="0"/>
+            </a:endParaRPr>
+          </a:p>
+          <a:p>
+            <a:pPr marL="285750" indent="-285750" algn="just">
+              <a:buFont typeface="Arial" panose="020B0604020202020204" pitchFamily="34" charset="0"/>
+              <a:buChar char="•"/>
+            </a:pPr>
+            <a:r>
+              <a:rPr sz="1600" b="1" dirty="0">
+                <a:effectLst/>
+                <a:latin typeface="Calibri" panose="020F0502020204030204" pitchFamily="34" charset="0"/>
+                <a:ea typeface="Calibri" panose="020F0502020204030204" pitchFamily="34" charset="0"/>
+                <a:cs typeface="Calibri" panose="020F0502020204030204" pitchFamily="34" charset="0"/>
+              </a:rPr>
+              <a:t>Visualizing relation of independent variables with each other and output variables</a:t>
+            </a:r>
+            <a:endParaRPr sz="1600" b="1" dirty="0">
+              <a:effectLst/>
+              <a:latin typeface="Calibri" panose="020F0502020204030204" pitchFamily="34" charset="0"/>
+              <a:ea typeface="Calibri" panose="020F0502020204030204" pitchFamily="34" charset="0"/>
+              <a:cs typeface="Calibri" panose="020F0502020204030204" pitchFamily="34" charset="0"/>
+            </a:endParaRPr>
+          </a:p>
+          <a:p>
+            <a:pPr marL="285750" indent="-285750" algn="just">
+              <a:buFont typeface="Arial" panose="020B0604020202020204" pitchFamily="34" charset="0"/>
+              <a:buChar char="•"/>
+            </a:pPr>
+            <a:r>
+              <a:rPr sz="1600" b="1" dirty="0">
+                <a:effectLst/>
+                <a:latin typeface="Calibri" panose="020F0502020204030204" pitchFamily="34" charset="0"/>
+                <a:ea typeface="Calibri" panose="020F0502020204030204" pitchFamily="34" charset="0"/>
+                <a:cs typeface="Calibri" panose="020F0502020204030204" pitchFamily="34" charset="0"/>
+              </a:rPr>
+              <a:t>Checking and changing Distribution of continuous values</a:t>
+            </a:r>
+            <a:endParaRPr sz="1600" b="1" dirty="0">
+              <a:effectLst/>
+              <a:latin typeface="Calibri" panose="020F0502020204030204" pitchFamily="34" charset="0"/>
+              <a:ea typeface="Calibri" panose="020F0502020204030204" pitchFamily="34" charset="0"/>
+              <a:cs typeface="Calibri" panose="020F0502020204030204" pitchFamily="34" charset="0"/>
+            </a:endParaRPr>
+          </a:p>
+          <a:p>
+            <a:pPr marL="285750" indent="-285750" algn="just">
+              <a:buFont typeface="Arial" panose="020B0604020202020204" pitchFamily="34" charset="0"/>
+              <a:buChar char="•"/>
+            </a:pPr>
+            <a:r>
+              <a:rPr sz="1600" b="1" dirty="0">
+                <a:effectLst/>
+                <a:latin typeface="Calibri" panose="020F0502020204030204" pitchFamily="34" charset="0"/>
+                <a:ea typeface="Calibri" panose="020F0502020204030204" pitchFamily="34" charset="0"/>
+                <a:cs typeface="Calibri" panose="020F0502020204030204" pitchFamily="34" charset="0"/>
+              </a:rPr>
+              <a:t>Cleaning data and imputing if null values are present</a:t>
+            </a:r>
+            <a:endParaRPr sz="1600" b="1" dirty="0">
+              <a:effectLst/>
+              <a:latin typeface="Calibri" panose="020F0502020204030204" pitchFamily="34" charset="0"/>
+              <a:ea typeface="Calibri" panose="020F0502020204030204" pitchFamily="34" charset="0"/>
+              <a:cs typeface="Calibri" panose="020F0502020204030204" pitchFamily="34" charset="0"/>
+            </a:endParaRPr>
+          </a:p>
+          <a:p>
+            <a:pPr marL="285750" indent="-285750" algn="just">
+              <a:buFont typeface="Arial" panose="020B0604020202020204" pitchFamily="34" charset="0"/>
+              <a:buChar char="•"/>
+            </a:pPr>
+            <a:r>
+              <a:rPr lang="en-US" sz="1600" b="1" dirty="0">
+                <a:effectLst/>
+                <a:latin typeface="Calibri" panose="020F0502020204030204" pitchFamily="34" charset="0"/>
+                <a:ea typeface="Calibri" panose="020F0502020204030204" pitchFamily="34" charset="0"/>
+                <a:cs typeface="Calibri" panose="020F0502020204030204" pitchFamily="34" charset="0"/>
+              </a:rPr>
+              <a:t>Generating suitable amount of synthetic data for better accuracy</a:t>
+            </a:r>
+            <a:endParaRPr sz="1600" b="1" dirty="0">
+              <a:effectLst/>
+              <a:latin typeface="Calibri" panose="020F0502020204030204" pitchFamily="34" charset="0"/>
+              <a:ea typeface="Calibri" panose="020F0502020204030204" pitchFamily="34" charset="0"/>
+              <a:cs typeface="Calibri" panose="020F0502020204030204" pitchFamily="34" charset="0"/>
+            </a:endParaRPr>
+          </a:p>
+          <a:p>
+            <a:pPr marL="285750" indent="-285750" algn="just">
+              <a:buFont typeface="Arial" panose="020B0604020202020204" pitchFamily="34" charset="0"/>
+              <a:buChar char="•"/>
+            </a:pPr>
+            <a:r>
+              <a:rPr sz="1600" b="1" dirty="0">
+                <a:effectLst/>
+                <a:latin typeface="Calibri" panose="020F0502020204030204" pitchFamily="34" charset="0"/>
+                <a:ea typeface="Calibri" panose="020F0502020204030204" pitchFamily="34" charset="0"/>
+                <a:cs typeface="Calibri" panose="020F0502020204030204" pitchFamily="34" charset="0"/>
+              </a:rPr>
+              <a:t>Scaling the data</a:t>
+            </a:r>
+            <a:r>
+              <a:rPr lang="en-US" sz="1600" b="1" dirty="0">
+                <a:effectLst/>
+                <a:latin typeface="Calibri" panose="020F0502020204030204" pitchFamily="34" charset="0"/>
+                <a:ea typeface="Calibri" panose="020F0502020204030204" pitchFamily="34" charset="0"/>
+                <a:cs typeface="Calibri" panose="020F0502020204030204" pitchFamily="34" charset="0"/>
+              </a:rPr>
+              <a:t> using different scalers</a:t>
+            </a:r>
+            <a:endParaRPr lang="en-US" sz="1600" b="1" dirty="0">
+              <a:effectLst/>
+              <a:latin typeface="Calibri" panose="020F0502020204030204" pitchFamily="34" charset="0"/>
+              <a:ea typeface="Calibri" panose="020F0502020204030204" pitchFamily="34" charset="0"/>
+              <a:cs typeface="Calibri" panose="020F0502020204030204" pitchFamily="34" charset="0"/>
+            </a:endParaRPr>
+          </a:p>
+          <a:p>
+            <a:pPr marL="285750" indent="-285750" algn="just">
+              <a:buFont typeface="Arial" panose="020B0604020202020204" pitchFamily="34" charset="0"/>
+              <a:buChar char="•"/>
+            </a:pPr>
+            <a:r>
+              <a:rPr lang="en-US" sz="1600" b="1" dirty="0">
+                <a:effectLst/>
+                <a:latin typeface="Calibri" panose="020F0502020204030204" pitchFamily="34" charset="0"/>
+                <a:ea typeface="Calibri" panose="020F0502020204030204" pitchFamily="34" charset="0"/>
+                <a:cs typeface="Calibri" panose="020F0502020204030204" pitchFamily="34" charset="0"/>
+              </a:rPr>
+              <a:t>Distributing the data into number of folds for cross-validation</a:t>
+            </a:r>
+            <a:endParaRPr lang="en-US" sz="1600" b="1" dirty="0">
+              <a:effectLst/>
+              <a:latin typeface="Calibri" panose="020F0502020204030204" pitchFamily="34" charset="0"/>
+              <a:ea typeface="Calibri" panose="020F0502020204030204" pitchFamily="34" charset="0"/>
+              <a:cs typeface="Calibri" panose="020F0502020204030204" pitchFamily="34" charset="0"/>
+            </a:endParaRPr>
+          </a:p>
+        </p:txBody>
+      </p:sp>
+    </p:spTree>
+  </p:cSld>
+  <p:clrMapOvr>
+    <a:masterClrMapping/>
+  </p:clrMapOvr>
+</p:sld>
+</file>
+
+<file path=ppt/slides/slide11.xml><?xml version="1.0" encoding="utf-8"?>
+<p:sld xmlns:a="http://schemas.openxmlformats.org/drawingml/2006/main" xmlns:r="http://schemas.openxmlformats.org/officeDocument/2006/relationships" xmlns:p="http://schemas.openxmlformats.org/presentationml/2006/main">
+  <p:cSld>
+    <p:spTree>
+      <p:nvGrpSpPr>
+        <p:cNvPr id="1" name=""/>
+        <p:cNvGrpSpPr/>
+        <p:nvPr/>
+      </p:nvGrpSpPr>
+      <p:grpSpPr>
+        <a:xfrm>
+          <a:off x="0" y="0"/>
+          <a:ext cx="0" cy="0"/>
+          <a:chOff x="0" y="0"/>
+          <a:chExt cx="0" cy="0"/>
+        </a:xfrm>
+      </p:grpSpPr>
+      <p:sp>
+        <p:nvSpPr>
+          <p:cNvPr id="2" name="Title 1"/>
+          <p:cNvSpPr>
+            <a:spLocks noGrp="1"/>
+          </p:cNvSpPr>
+          <p:nvPr>
+            <p:ph type="title"/>
+          </p:nvPr>
+        </p:nvSpPr>
+        <p:spPr>
+          <a:xfrm>
+            <a:off x="1066800" y="377825"/>
+            <a:ext cx="10058400" cy="1035050"/>
+          </a:xfrm>
+        </p:spPr>
+        <p:txBody>
+          <a:bodyPr/>
+          <a:lstStyle/>
+          <a:p>
+            <a:r>
+              <a:rPr lang="en-US" altLang="en-IN" dirty="0"/>
+              <a:t>Q &amp; A</a:t>
+            </a:r>
+            <a:endParaRPr lang="en-US" altLang="en-IN" dirty="0"/>
+          </a:p>
+        </p:txBody>
+      </p:sp>
+      <p:sp>
+        <p:nvSpPr>
+          <p:cNvPr id="3" name="TextBox 2"/>
+          <p:cNvSpPr txBox="1"/>
+          <p:nvPr/>
+        </p:nvSpPr>
+        <p:spPr>
+          <a:xfrm>
+            <a:off x="1066800" y="2014855"/>
+            <a:ext cx="10663555" cy="2799715"/>
+          </a:xfrm>
+          <a:prstGeom prst="rect">
+            <a:avLst/>
+          </a:prstGeom>
+          <a:noFill/>
+        </p:spPr>
+        <p:txBody>
+          <a:bodyPr wrap="square" rtlCol="0">
+            <a:spAutoFit/>
+          </a:bodyPr>
+          <a:lstStyle/>
+          <a:p>
+            <a:pPr algn="just"/>
+            <a:r>
+              <a:rPr sz="1600" b="1" dirty="0">
+                <a:effectLst/>
+                <a:latin typeface="Calibri" panose="020F0502020204030204" pitchFamily="34" charset="0"/>
+                <a:ea typeface="Calibri" panose="020F0502020204030204" pitchFamily="34" charset="0"/>
+                <a:cs typeface="Calibri" panose="020F0502020204030204" pitchFamily="34" charset="0"/>
+              </a:rPr>
+              <a:t>Q 7) How training was done or what models were used?</a:t>
+            </a:r>
+            <a:endParaRPr sz="1600" b="1" dirty="0">
+              <a:effectLst/>
+              <a:latin typeface="Calibri" panose="020F0502020204030204" pitchFamily="34" charset="0"/>
+              <a:ea typeface="Calibri" panose="020F0502020204030204" pitchFamily="34" charset="0"/>
+              <a:cs typeface="Calibri" panose="020F0502020204030204" pitchFamily="34" charset="0"/>
+            </a:endParaRPr>
+          </a:p>
+          <a:p>
+            <a:pPr algn="just"/>
+            <a:endParaRPr sz="1600" b="1" dirty="0">
+              <a:effectLst/>
+              <a:latin typeface="Calibri" panose="020F0502020204030204" pitchFamily="34" charset="0"/>
+              <a:ea typeface="Calibri" panose="020F0502020204030204" pitchFamily="34" charset="0"/>
+              <a:cs typeface="Calibri" panose="020F0502020204030204" pitchFamily="34" charset="0"/>
+            </a:endParaRPr>
+          </a:p>
+          <a:p>
+            <a:pPr algn="just"/>
+            <a:r>
+              <a:rPr lang="en-US" sz="1600" b="1" dirty="0">
+                <a:effectLst/>
+                <a:latin typeface="Calibri" panose="020F0502020204030204" pitchFamily="34" charset="0"/>
+                <a:ea typeface="Calibri" panose="020F0502020204030204" pitchFamily="34" charset="0"/>
+                <a:cs typeface="Calibri" panose="020F0502020204030204" pitchFamily="34" charset="0"/>
+              </a:rPr>
+              <a:t>Training was done initially on local system. After the confirmation of least error, the code was transferred to kaggle, and ran over GPUs for XGB and cpu for other models.</a:t>
+            </a:r>
+            <a:endParaRPr lang="en-US" sz="1600" b="1" dirty="0">
+              <a:effectLst/>
+              <a:latin typeface="Calibri" panose="020F0502020204030204" pitchFamily="34" charset="0"/>
+              <a:ea typeface="Calibri" panose="020F0502020204030204" pitchFamily="34" charset="0"/>
+              <a:cs typeface="Calibri" panose="020F0502020204030204" pitchFamily="34" charset="0"/>
+            </a:endParaRPr>
+          </a:p>
+          <a:p>
+            <a:pPr algn="just"/>
+            <a:endParaRPr sz="1600" b="1" dirty="0">
+              <a:effectLst/>
+              <a:latin typeface="Calibri" panose="020F0502020204030204" pitchFamily="34" charset="0"/>
+              <a:ea typeface="Calibri" panose="020F0502020204030204" pitchFamily="34" charset="0"/>
+              <a:cs typeface="Calibri" panose="020F0502020204030204" pitchFamily="34" charset="0"/>
+            </a:endParaRPr>
+          </a:p>
+          <a:p>
+            <a:pPr algn="just"/>
+            <a:r>
+              <a:rPr lang="en-US" sz="1600" b="1" dirty="0">
+                <a:effectLst/>
+                <a:latin typeface="Calibri" panose="020F0502020204030204" pitchFamily="34" charset="0"/>
+                <a:ea typeface="Calibri" panose="020F0502020204030204" pitchFamily="34" charset="0"/>
+                <a:cs typeface="Calibri" panose="020F0502020204030204" pitchFamily="34" charset="0"/>
+              </a:rPr>
+              <a:t>The applied alogirthms were XGBR, KNN, Decision Tree, Linear Regression, Random Forest, and SVR.</a:t>
+            </a:r>
+            <a:endParaRPr lang="en-US" sz="1600" b="1" dirty="0">
+              <a:effectLst/>
+              <a:latin typeface="Calibri" panose="020F0502020204030204" pitchFamily="34" charset="0"/>
+              <a:ea typeface="Calibri" panose="020F0502020204030204" pitchFamily="34" charset="0"/>
+              <a:cs typeface="Calibri" panose="020F0502020204030204" pitchFamily="34" charset="0"/>
+            </a:endParaRPr>
+          </a:p>
+          <a:p>
+            <a:pPr algn="just"/>
+            <a:endParaRPr sz="1600" b="1" dirty="0">
+              <a:effectLst/>
+              <a:latin typeface="Calibri" panose="020F0502020204030204" pitchFamily="34" charset="0"/>
+              <a:ea typeface="Calibri" panose="020F0502020204030204" pitchFamily="34" charset="0"/>
+              <a:cs typeface="Calibri" panose="020F0502020204030204" pitchFamily="34" charset="0"/>
+            </a:endParaRPr>
+          </a:p>
+          <a:p>
+            <a:pPr algn="just"/>
+            <a:r>
+              <a:rPr sz="1600" b="1" dirty="0">
+                <a:effectLst/>
+                <a:latin typeface="Calibri" panose="020F0502020204030204" pitchFamily="34" charset="0"/>
+                <a:ea typeface="Calibri" panose="020F0502020204030204" pitchFamily="34" charset="0"/>
+                <a:cs typeface="Calibri" panose="020F0502020204030204" pitchFamily="34" charset="0"/>
+              </a:rPr>
+              <a:t>Q 8) How Prediction was done?</a:t>
+            </a:r>
+            <a:endParaRPr sz="1600" b="1" dirty="0">
+              <a:effectLst/>
+              <a:latin typeface="Calibri" panose="020F0502020204030204" pitchFamily="34" charset="0"/>
+              <a:ea typeface="Calibri" panose="020F0502020204030204" pitchFamily="34" charset="0"/>
+              <a:cs typeface="Calibri" panose="020F0502020204030204" pitchFamily="34" charset="0"/>
+            </a:endParaRPr>
+          </a:p>
+          <a:p>
+            <a:pPr algn="just"/>
+            <a:endParaRPr sz="1600" b="1" dirty="0">
+              <a:effectLst/>
+              <a:latin typeface="Calibri" panose="020F0502020204030204" pitchFamily="34" charset="0"/>
+              <a:ea typeface="Calibri" panose="020F0502020204030204" pitchFamily="34" charset="0"/>
+              <a:cs typeface="Calibri" panose="020F0502020204030204" pitchFamily="34" charset="0"/>
+            </a:endParaRPr>
+          </a:p>
+          <a:p>
+            <a:pPr algn="just"/>
+            <a:r>
+              <a:rPr lang="en-US" sz="1600" b="1" dirty="0">
+                <a:effectLst/>
+                <a:latin typeface="Calibri" panose="020F0502020204030204" pitchFamily="34" charset="0"/>
+                <a:ea typeface="Calibri" panose="020F0502020204030204" pitchFamily="34" charset="0"/>
+                <a:cs typeface="Calibri" panose="020F0502020204030204" pitchFamily="34" charset="0"/>
+              </a:rPr>
+              <a:t>For prediction part, the deployment on web can be useful to predict the level of toxicity based on molecular descriptor values as indicator.</a:t>
+            </a:r>
+            <a:endParaRPr lang="en-US" sz="1600" b="1" dirty="0">
+              <a:effectLst/>
+              <a:latin typeface="Calibri" panose="020F0502020204030204" pitchFamily="34" charset="0"/>
+              <a:ea typeface="Calibri" panose="020F0502020204030204" pitchFamily="34" charset="0"/>
+              <a:cs typeface="Calibri" panose="020F0502020204030204" pitchFamily="34" charset="0"/>
+            </a:endParaRPr>
+          </a:p>
+        </p:txBody>
+      </p:sp>
+    </p:spTree>
+  </p:cSld>
+  <p:clrMapOvr>
+    <a:masterClrMapping/>
+  </p:clrMapOvr>
+</p:sld>
+</file>
+
+<file path=ppt/slides/slide12.xml><?xml version="1.0" encoding="utf-8"?>
+<p:sld xmlns:a="http://schemas.openxmlformats.org/drawingml/2006/main" xmlns:r="http://schemas.openxmlformats.org/officeDocument/2006/relationships" xmlns:p="http://schemas.openxmlformats.org/presentationml/2006/main">
+  <p:cSld>
+    <p:spTree>
+      <p:nvGrpSpPr>
+        <p:cNvPr id="1" name=""/>
+        <p:cNvGrpSpPr/>
+        <p:nvPr/>
+      </p:nvGrpSpPr>
+      <p:grpSpPr>
+        <a:xfrm>
+          <a:off x="0" y="0"/>
+          <a:ext cx="0" cy="0"/>
+          <a:chOff x="0" y="0"/>
+          <a:chExt cx="0" cy="0"/>
+        </a:xfrm>
+      </p:grpSpPr>
+      <p:sp>
+        <p:nvSpPr>
+          <p:cNvPr id="2" name="Title 1"/>
+          <p:cNvSpPr>
+            <a:spLocks noGrp="1"/>
+          </p:cNvSpPr>
+          <p:nvPr>
+            <p:ph type="title"/>
+          </p:nvPr>
+        </p:nvSpPr>
+        <p:spPr>
+          <a:xfrm>
+            <a:off x="1066800" y="377825"/>
+            <a:ext cx="10058400" cy="1035050"/>
+          </a:xfrm>
+        </p:spPr>
+        <p:txBody>
+          <a:bodyPr/>
+          <a:lstStyle/>
+          <a:p>
+            <a:r>
+              <a:rPr lang="en-US" altLang="en-IN" dirty="0"/>
+              <a:t>Q &amp; A</a:t>
+            </a:r>
+            <a:endParaRPr lang="en-US" altLang="en-IN" dirty="0"/>
+          </a:p>
+        </p:txBody>
+      </p:sp>
+      <p:sp>
+        <p:nvSpPr>
+          <p:cNvPr id="3" name="TextBox 2"/>
+          <p:cNvSpPr txBox="1"/>
+          <p:nvPr/>
+        </p:nvSpPr>
+        <p:spPr>
+          <a:xfrm>
+            <a:off x="1066800" y="2014855"/>
+            <a:ext cx="10663555" cy="1322070"/>
+          </a:xfrm>
+          <a:prstGeom prst="rect">
+            <a:avLst/>
+          </a:prstGeom>
+          <a:noFill/>
+        </p:spPr>
+        <p:txBody>
+          <a:bodyPr wrap="square" rtlCol="0">
+            <a:spAutoFit/>
+          </a:bodyPr>
+          <a:lstStyle/>
+          <a:p>
+            <a:pPr algn="just"/>
+            <a:r>
+              <a:rPr sz="1600" b="1" dirty="0">
+                <a:effectLst/>
+                <a:latin typeface="Calibri" panose="020F0502020204030204" pitchFamily="34" charset="0"/>
+                <a:ea typeface="Calibri" panose="020F0502020204030204" pitchFamily="34" charset="0"/>
+                <a:cs typeface="Calibri" panose="020F0502020204030204" pitchFamily="34" charset="0"/>
+              </a:rPr>
+              <a:t>Q 9) What are the different stages of deployment?</a:t>
+            </a:r>
+            <a:endParaRPr sz="1600" b="1" dirty="0">
+              <a:effectLst/>
+              <a:latin typeface="Calibri" panose="020F0502020204030204" pitchFamily="34" charset="0"/>
+              <a:ea typeface="Calibri" panose="020F0502020204030204" pitchFamily="34" charset="0"/>
+              <a:cs typeface="Calibri" panose="020F0502020204030204" pitchFamily="34" charset="0"/>
+            </a:endParaRPr>
+          </a:p>
+          <a:p>
+            <a:pPr algn="just"/>
+            <a:endParaRPr sz="1600" b="1" dirty="0">
+              <a:effectLst/>
+              <a:latin typeface="Calibri" panose="020F0502020204030204" pitchFamily="34" charset="0"/>
+              <a:ea typeface="Calibri" panose="020F0502020204030204" pitchFamily="34" charset="0"/>
+              <a:cs typeface="Calibri" panose="020F0502020204030204" pitchFamily="34" charset="0"/>
+            </a:endParaRPr>
+          </a:p>
+          <a:p>
+            <a:pPr algn="just"/>
+            <a:r>
+              <a:rPr lang="en-US" sz="1600" b="1" dirty="0">
+                <a:effectLst/>
+                <a:latin typeface="Calibri" panose="020F0502020204030204" pitchFamily="34" charset="0"/>
+                <a:ea typeface="Calibri" panose="020F0502020204030204" pitchFamily="34" charset="0"/>
+                <a:cs typeface="Calibri" panose="020F0502020204030204" pitchFamily="34" charset="0"/>
+              </a:rPr>
+              <a:t>After testing the model with sample data, we created the API using FastAPI framework. The frontend was developed using React framework with axios for API calls. Finally the web app is deployed on AWS EC2 linux instance and allowed on required ports for required interaction. The deployment is tested on given DNS of AWS EC2 instance.</a:t>
+            </a:r>
+            <a:endParaRPr lang="en-US" sz="1600" b="1" dirty="0">
+              <a:effectLst/>
+              <a:latin typeface="Calibri" panose="020F0502020204030204" pitchFamily="34" charset="0"/>
+              <a:ea typeface="Calibri" panose="020F0502020204030204" pitchFamily="34" charset="0"/>
+              <a:cs typeface="Calibri" panose="020F0502020204030204" pitchFamily="34" charset="0"/>
+            </a:endParaRPr>
+          </a:p>
+        </p:txBody>
+      </p:sp>
+    </p:spTree>
+  </p:cSld>
+  <p:clrMapOvr>
+    <a:masterClrMapping/>
+  </p:clrMapOvr>
+</p:sld>
+</file>
+
+<file path=ppt/slides/slide13.xml><?xml version="1.0" encoding="utf-8"?>
+<p:sld xmlns:a="http://schemas.openxmlformats.org/drawingml/2006/main" xmlns:r="http://schemas.openxmlformats.org/officeDocument/2006/relationships" xmlns:p="http://schemas.openxmlformats.org/presentationml/2006/main">
+  <p:cSld>
+    <p:spTree>
+      <p:nvGrpSpPr>
+        <p:cNvPr id="1" name=""/>
+        <p:cNvGrpSpPr/>
+        <p:nvPr/>
+      </p:nvGrpSpPr>
+      <p:grpSpPr/>
+      <p:sp>
+        <p:nvSpPr>
+          <p:cNvPr id="2" name="Title 1"/>
+          <p:cNvSpPr>
+            <a:spLocks noGrp="1"/>
+          </p:cNvSpPr>
+          <p:nvPr>
+            <p:ph type="title"/>
+          </p:nvPr>
+        </p:nvSpPr>
+        <p:spPr>
+          <a:xfrm>
+            <a:off x="1066800" y="2704048"/>
+            <a:ext cx="10058400" cy="1450757"/>
+          </a:xfrm>
+        </p:spPr>
+        <p:txBody>
+          <a:bodyPr/>
+          <a:p>
+            <a:pPr algn="ctr"/>
+            <a:r>
+              <a:rPr lang="en-IN" altLang="en-US"/>
+              <a:t>THANK YOU</a:t>
+            </a:r>
+            <a:endParaRPr lang="en-IN" altLang="en-US"/>
+          </a:p>
+        </p:txBody>
+      </p:sp>
+    </p:spTree>
+  </p:cSld>
+  <p:clrMapOvr>
+    <a:masterClrMapping/>
   </p:clrMapOvr>
 </p:sld>
 </file>
@@ -4945,7 +5614,14 @@
         <p:cNvGrpSpPr/>
         <p:nvPr/>
       </p:nvGrpSpPr>
-      <p:grpSpPr/>
+      <p:grpSpPr>
+        <a:xfrm>
+          <a:off x="0" y="0"/>
+          <a:ext cx="0" cy="0"/>
+          <a:chOff x="0" y="0"/>
+          <a:chExt cx="0" cy="0"/>
+        </a:xfrm>
+      </p:grpSpPr>
       <p:sp>
         <p:nvSpPr>
           <p:cNvPr id="2" name="Title 1"/>
@@ -4958,19 +5634,267 @@
         </p:nvSpPr>
         <p:spPr>
           <a:xfrm>
-            <a:off x="1066800" y="2704048"/>
-            <a:ext cx="10058400" cy="1450757"/>
+            <a:off x="1066800" y="377825"/>
+            <a:ext cx="10058400" cy="1035050"/>
           </a:xfrm>
         </p:spPr>
         <p:txBody>
           <a:bodyPr/>
-          <a:p>
-            <a:pPr algn="ctr"/>
-            <a:r>
-              <a:rPr lang="en-IN" altLang="en-US"/>
-              <a:t>THANK YOU</a:t>
-            </a:r>
-            <a:endParaRPr lang="en-IN" altLang="en-US"/>
+          <a:lstStyle/>
+          <a:p>
+            <a:r>
+              <a:rPr lang="en-US" altLang="en-IN" dirty="0"/>
+              <a:t>Q &amp; A</a:t>
+            </a:r>
+            <a:endParaRPr lang="en-US" altLang="en-IN" dirty="0"/>
+          </a:p>
+        </p:txBody>
+      </p:sp>
+      <p:sp>
+        <p:nvSpPr>
+          <p:cNvPr id="3" name="TextBox 2"/>
+          <p:cNvSpPr txBox="1"/>
+          <p:nvPr/>
+        </p:nvSpPr>
+        <p:spPr>
+          <a:xfrm>
+            <a:off x="1066800" y="2014855"/>
+            <a:ext cx="10663555" cy="3784600"/>
+          </a:xfrm>
+          <a:prstGeom prst="rect">
+            <a:avLst/>
+          </a:prstGeom>
+          <a:noFill/>
+        </p:spPr>
+        <p:txBody>
+          <a:bodyPr wrap="square" rtlCol="0">
+            <a:spAutoFit/>
+          </a:bodyPr>
+          <a:lstStyle/>
+          <a:p>
+            <a:pPr algn="just"/>
+            <a:r>
+              <a:rPr sz="1600" b="1" dirty="0">
+                <a:effectLst/>
+                <a:latin typeface="Calibri" panose="020F0502020204030204" pitchFamily="34" charset="0"/>
+                <a:ea typeface="Calibri" panose="020F0502020204030204" pitchFamily="34" charset="0"/>
+                <a:cs typeface="Calibri" panose="020F0502020204030204" pitchFamily="34" charset="0"/>
+              </a:rPr>
+              <a:t>Q1) What’s the source of data?</a:t>
+            </a:r>
+            <a:endParaRPr sz="1600" b="1" dirty="0">
+              <a:effectLst/>
+              <a:latin typeface="Calibri" panose="020F0502020204030204" pitchFamily="34" charset="0"/>
+              <a:ea typeface="Calibri" panose="020F0502020204030204" pitchFamily="34" charset="0"/>
+              <a:cs typeface="Calibri" panose="020F0502020204030204" pitchFamily="34" charset="0"/>
+            </a:endParaRPr>
+          </a:p>
+          <a:p>
+            <a:pPr algn="just"/>
+            <a:endParaRPr sz="1600" b="1" dirty="0">
+              <a:effectLst/>
+              <a:latin typeface="Calibri" panose="020F0502020204030204" pitchFamily="34" charset="0"/>
+              <a:ea typeface="Calibri" panose="020F0502020204030204" pitchFamily="34" charset="0"/>
+              <a:cs typeface="Calibri" panose="020F0502020204030204" pitchFamily="34" charset="0"/>
+            </a:endParaRPr>
+          </a:p>
+          <a:p>
+            <a:pPr algn="just"/>
+            <a:r>
+              <a:rPr lang="en-US" sz="1600" b="1" dirty="0">
+                <a:effectLst/>
+                <a:latin typeface="Calibri" panose="020F0502020204030204" pitchFamily="34" charset="0"/>
+                <a:ea typeface="Calibri" panose="020F0502020204030204" pitchFamily="34" charset="0"/>
+                <a:cs typeface="Calibri" panose="020F0502020204030204" pitchFamily="34" charset="0"/>
+              </a:rPr>
+              <a:t>The data was collected from ECOTOX Knowledgebase website as excel file.</a:t>
+            </a:r>
+            <a:endParaRPr lang="en-US" sz="1600" b="1" dirty="0">
+              <a:effectLst/>
+              <a:latin typeface="Calibri" panose="020F0502020204030204" pitchFamily="34" charset="0"/>
+              <a:ea typeface="Calibri" panose="020F0502020204030204" pitchFamily="34" charset="0"/>
+              <a:cs typeface="Calibri" panose="020F0502020204030204" pitchFamily="34" charset="0"/>
+            </a:endParaRPr>
+          </a:p>
+          <a:p>
+            <a:pPr algn="just"/>
+            <a:endParaRPr sz="1600" b="1" dirty="0">
+              <a:effectLst/>
+              <a:latin typeface="Calibri" panose="020F0502020204030204" pitchFamily="34" charset="0"/>
+              <a:ea typeface="Calibri" panose="020F0502020204030204" pitchFamily="34" charset="0"/>
+              <a:cs typeface="Calibri" panose="020F0502020204030204" pitchFamily="34" charset="0"/>
+            </a:endParaRPr>
+          </a:p>
+          <a:p>
+            <a:pPr algn="just"/>
+            <a:r>
+              <a:rPr sz="1600" b="1" dirty="0">
+                <a:effectLst/>
+                <a:latin typeface="Calibri" panose="020F0502020204030204" pitchFamily="34" charset="0"/>
+                <a:ea typeface="Calibri" panose="020F0502020204030204" pitchFamily="34" charset="0"/>
+                <a:cs typeface="Calibri" panose="020F0502020204030204" pitchFamily="34" charset="0"/>
+              </a:rPr>
+              <a:t>Q 2) What was the type of data?</a:t>
+            </a:r>
+            <a:endParaRPr sz="1600" b="1" dirty="0">
+              <a:effectLst/>
+              <a:latin typeface="Calibri" panose="020F0502020204030204" pitchFamily="34" charset="0"/>
+              <a:ea typeface="Calibri" panose="020F0502020204030204" pitchFamily="34" charset="0"/>
+              <a:cs typeface="Calibri" panose="020F0502020204030204" pitchFamily="34" charset="0"/>
+            </a:endParaRPr>
+          </a:p>
+          <a:p>
+            <a:pPr algn="just"/>
+            <a:endParaRPr sz="1600" b="1" dirty="0">
+              <a:effectLst/>
+              <a:latin typeface="Calibri" panose="020F0502020204030204" pitchFamily="34" charset="0"/>
+              <a:ea typeface="Calibri" panose="020F0502020204030204" pitchFamily="34" charset="0"/>
+              <a:cs typeface="Calibri" panose="020F0502020204030204" pitchFamily="34" charset="0"/>
+            </a:endParaRPr>
+          </a:p>
+          <a:p>
+            <a:pPr algn="just"/>
+            <a:r>
+              <a:rPr lang="en-US" sz="1600" b="1" dirty="0">
+                <a:effectLst/>
+                <a:latin typeface="Calibri" panose="020F0502020204030204" pitchFamily="34" charset="0"/>
+                <a:ea typeface="Calibri" panose="020F0502020204030204" pitchFamily="34" charset="0"/>
+                <a:cs typeface="Calibri" panose="020F0502020204030204" pitchFamily="34" charset="0"/>
+              </a:rPr>
+              <a:t>Initially the data was of string data type, after proper formatting the numeric values of data are used.</a:t>
+            </a:r>
+            <a:endParaRPr lang="en-US" sz="1600" b="1" dirty="0">
+              <a:effectLst/>
+              <a:latin typeface="Calibri" panose="020F0502020204030204" pitchFamily="34" charset="0"/>
+              <a:ea typeface="Calibri" panose="020F0502020204030204" pitchFamily="34" charset="0"/>
+              <a:cs typeface="Calibri" panose="020F0502020204030204" pitchFamily="34" charset="0"/>
+            </a:endParaRPr>
+          </a:p>
+          <a:p>
+            <a:pPr algn="just"/>
+            <a:endParaRPr sz="1600" b="1" dirty="0">
+              <a:effectLst/>
+              <a:latin typeface="Calibri" panose="020F0502020204030204" pitchFamily="34" charset="0"/>
+              <a:ea typeface="Calibri" panose="020F0502020204030204" pitchFamily="34" charset="0"/>
+              <a:cs typeface="Calibri" panose="020F0502020204030204" pitchFamily="34" charset="0"/>
+            </a:endParaRPr>
+          </a:p>
+          <a:p>
+            <a:pPr algn="just"/>
+            <a:r>
+              <a:rPr sz="1600" b="1" dirty="0">
+                <a:effectLst/>
+                <a:latin typeface="Calibri" panose="020F0502020204030204" pitchFamily="34" charset="0"/>
+                <a:ea typeface="Calibri" panose="020F0502020204030204" pitchFamily="34" charset="0"/>
+                <a:cs typeface="Calibri" panose="020F0502020204030204" pitchFamily="34" charset="0"/>
+              </a:rPr>
+              <a:t>Q 3) What’s the complete flow you followed in this Project?</a:t>
+            </a:r>
+            <a:endParaRPr sz="1600" b="1" dirty="0">
+              <a:effectLst/>
+              <a:latin typeface="Calibri" panose="020F0502020204030204" pitchFamily="34" charset="0"/>
+              <a:ea typeface="Calibri" panose="020F0502020204030204" pitchFamily="34" charset="0"/>
+              <a:cs typeface="Calibri" panose="020F0502020204030204" pitchFamily="34" charset="0"/>
+            </a:endParaRPr>
+          </a:p>
+          <a:p>
+            <a:pPr algn="just"/>
+            <a:endParaRPr sz="1600" b="1" dirty="0">
+              <a:effectLst/>
+              <a:latin typeface="Calibri" panose="020F0502020204030204" pitchFamily="34" charset="0"/>
+              <a:ea typeface="Calibri" panose="020F0502020204030204" pitchFamily="34" charset="0"/>
+              <a:cs typeface="Calibri" panose="020F0502020204030204" pitchFamily="34" charset="0"/>
+            </a:endParaRPr>
+          </a:p>
+          <a:p>
+            <a:pPr algn="just"/>
+            <a:r>
+              <a:rPr sz="1600" b="1" dirty="0">
+                <a:effectLst/>
+                <a:latin typeface="Calibri" panose="020F0502020204030204" pitchFamily="34" charset="0"/>
+                <a:ea typeface="Calibri" panose="020F0502020204030204" pitchFamily="34" charset="0"/>
+                <a:cs typeface="Calibri" panose="020F0502020204030204" pitchFamily="34" charset="0"/>
+              </a:rPr>
+              <a:t>Refer slide </a:t>
+            </a:r>
+            <a:r>
+              <a:rPr lang="en-US" sz="1600" b="1" dirty="0">
+                <a:effectLst/>
+                <a:latin typeface="Calibri" panose="020F0502020204030204" pitchFamily="34" charset="0"/>
+                <a:ea typeface="Calibri" panose="020F0502020204030204" pitchFamily="34" charset="0"/>
+                <a:cs typeface="Calibri" panose="020F0502020204030204" pitchFamily="34" charset="0"/>
+              </a:rPr>
+              <a:t>3rd</a:t>
+            </a:r>
+            <a:r>
+              <a:rPr sz="1600" b="1" dirty="0">
+                <a:effectLst/>
+                <a:latin typeface="Calibri" panose="020F0502020204030204" pitchFamily="34" charset="0"/>
+                <a:ea typeface="Calibri" panose="020F0502020204030204" pitchFamily="34" charset="0"/>
+                <a:cs typeface="Calibri" panose="020F0502020204030204" pitchFamily="34" charset="0"/>
+              </a:rPr>
+              <a:t> for better Understanding</a:t>
+            </a:r>
+            <a:endParaRPr sz="1600" b="1" dirty="0">
+              <a:effectLst/>
+              <a:latin typeface="Calibri" panose="020F0502020204030204" pitchFamily="34" charset="0"/>
+              <a:ea typeface="Calibri" panose="020F0502020204030204" pitchFamily="34" charset="0"/>
+              <a:cs typeface="Calibri" panose="020F0502020204030204" pitchFamily="34" charset="0"/>
+            </a:endParaRPr>
+          </a:p>
+          <a:p>
+            <a:pPr algn="just"/>
+            <a:endParaRPr sz="1600" b="1" dirty="0">
+              <a:effectLst/>
+              <a:latin typeface="Calibri" panose="020F0502020204030204" pitchFamily="34" charset="0"/>
+              <a:ea typeface="Calibri" panose="020F0502020204030204" pitchFamily="34" charset="0"/>
+              <a:cs typeface="Calibri" panose="020F0502020204030204" pitchFamily="34" charset="0"/>
+            </a:endParaRPr>
+          </a:p>
+          <a:p>
+            <a:pPr algn="just"/>
+            <a:r>
+              <a:rPr sz="1600" b="1" dirty="0">
+                <a:effectLst/>
+                <a:latin typeface="Calibri" panose="020F0502020204030204" pitchFamily="34" charset="0"/>
+                <a:ea typeface="Calibri" panose="020F0502020204030204" pitchFamily="34" charset="0"/>
+                <a:cs typeface="Calibri" panose="020F0502020204030204" pitchFamily="34" charset="0"/>
+              </a:rPr>
+              <a:t>Q 4) After the File validation what you do with incompatible file or files which didn’t pass the validation?</a:t>
+            </a:r>
+            <a:endParaRPr sz="1600" b="1" dirty="0">
+              <a:effectLst/>
+              <a:latin typeface="Calibri" panose="020F0502020204030204" pitchFamily="34" charset="0"/>
+              <a:ea typeface="Calibri" panose="020F0502020204030204" pitchFamily="34" charset="0"/>
+              <a:cs typeface="Calibri" panose="020F0502020204030204" pitchFamily="34" charset="0"/>
+            </a:endParaRPr>
+          </a:p>
+          <a:p>
+            <a:pPr algn="just"/>
+            <a:endParaRPr sz="1600" b="1" dirty="0">
+              <a:effectLst/>
+              <a:latin typeface="Calibri" panose="020F0502020204030204" pitchFamily="34" charset="0"/>
+              <a:ea typeface="Calibri" panose="020F0502020204030204" pitchFamily="34" charset="0"/>
+              <a:cs typeface="Calibri" panose="020F0502020204030204" pitchFamily="34" charset="0"/>
+            </a:endParaRPr>
+          </a:p>
+          <a:p>
+            <a:pPr algn="just"/>
+            <a:r>
+              <a:rPr lang="en-US" sz="1600" b="1" dirty="0">
+                <a:effectLst/>
+                <a:latin typeface="Calibri" panose="020F0502020204030204" pitchFamily="34" charset="0"/>
+                <a:ea typeface="Calibri" panose="020F0502020204030204" pitchFamily="34" charset="0"/>
+                <a:cs typeface="Calibri" panose="020F0502020204030204" pitchFamily="34" charset="0"/>
+              </a:rPr>
+              <a:t>Considering singularity of the provided file, incompatibility was not an issue.</a:t>
+            </a:r>
+            <a:endParaRPr lang="en-US" sz="1600" b="1" dirty="0">
+              <a:effectLst/>
+              <a:latin typeface="Calibri" panose="020F0502020204030204" pitchFamily="34" charset="0"/>
+              <a:ea typeface="Calibri" panose="020F0502020204030204" pitchFamily="34" charset="0"/>
+              <a:cs typeface="Calibri" panose="020F0502020204030204" pitchFamily="34" charset="0"/>
+            </a:endParaRPr>
           </a:p>
         </p:txBody>
       </p:sp>

--- a/docs/LC50 VALUE PREDICTION.pptx
+++ b/docs/LC50 VALUE PREDICTION.pptx
@@ -124,16 +124,16 @@
             <p14:sldId id="298"/>
             <p14:sldId id="313"/>
             <p14:sldId id="301"/>
-            <p14:sldId id="300"/>
             <p14:sldId id="302"/>
-            <p14:sldId id="304"/>
             <p14:sldId id="314"/>
             <p14:sldId id="316"/>
-            <p14:sldId id="315"/>
             <p14:sldId id="321"/>
             <p14:sldId id="322"/>
             <p14:sldId id="323"/>
             <p14:sldId id="324"/>
+            <p14:sldId id="315"/>
+            <p14:sldId id="300"/>
+            <p14:sldId id="304"/>
           </p14:sldIdLst>
         </p14:section>
       </p14:sectionLst>
@@ -5035,15 +5035,17 @@
             </a:pPr>
             <a:r>
               <a:rPr lang="en-IN" altLang="en-US" sz="2000" dirty="0">
+                <a:latin typeface="Arial" panose="020B0604020202020204" pitchFamily="34" charset="0"/>
                 <a:ea typeface="Arial" panose="020B0604020202020204"/>
-                <a:cs typeface="Arial" panose="020B0604020202020204"/>
+                <a:cs typeface="Arial" panose="020B0604020202020204" pitchFamily="34" charset="0"/>
                 <a:sym typeface="Arial" panose="020B0604020202020204"/>
               </a:rPr>
               <a:t>Due to small size of data, data is stored in local as csv file.</a:t>
             </a:r>
             <a:endParaRPr lang="en-US" sz="2000" dirty="0">
+              <a:latin typeface="Arial" panose="020B0604020202020204" pitchFamily="34" charset="0"/>
               <a:ea typeface="Arial" panose="020B0604020202020204"/>
-              <a:cs typeface="Arial" panose="020B0604020202020204"/>
+              <a:cs typeface="Arial" panose="020B0604020202020204" pitchFamily="34" charset="0"/>
               <a:sym typeface="Arial" panose="020B0604020202020204"/>
             </a:endParaRPr>
           </a:p>
@@ -5064,15 +5066,17 @@
             </a:pPr>
             <a:r>
               <a:rPr lang="en-IN" altLang="en-US" sz="2000" dirty="0">
+                <a:latin typeface="Arial" panose="020B0604020202020204" pitchFamily="34" charset="0"/>
                 <a:ea typeface="Arial" panose="020B0604020202020204"/>
-                <a:cs typeface="Arial" panose="020B0604020202020204"/>
+                <a:cs typeface="Arial" panose="020B0604020202020204" pitchFamily="34" charset="0"/>
                 <a:sym typeface="Arial" panose="020B0604020202020204"/>
               </a:rPr>
               <a:t>During training and evaluation a lot of data are retrieved about hyper-parameter optimization, model evaluation, loss functions, and time deltas.</a:t>
             </a:r>
             <a:endParaRPr lang="en-IN" altLang="en-US" sz="2000" dirty="0">
+              <a:latin typeface="Arial" panose="020B0604020202020204" pitchFamily="34" charset="0"/>
               <a:ea typeface="Arial" panose="020B0604020202020204"/>
-              <a:cs typeface="Arial" panose="020B0604020202020204"/>
+              <a:cs typeface="Arial" panose="020B0604020202020204" pitchFamily="34" charset="0"/>
               <a:sym typeface="Arial" panose="020B0604020202020204"/>
             </a:endParaRPr>
           </a:p>
@@ -5205,61 +5209,110 @@
             <a:pPr algn="just"/>
             <a:r>
               <a:rPr lang="en-US" sz="2000" b="1" dirty="0"/>
-              <a:t>•Cross-Validation Setup</a:t>
-            </a:r>
-            <a:endParaRPr lang="en-US" sz="2000" b="1" dirty="0"/>
+              <a:t>•</a:t>
+            </a:r>
+            <a:r>
+              <a:rPr lang="en-US" sz="2000" b="1" dirty="0">
+                <a:latin typeface="Arial" panose="020B0604020202020204" pitchFamily="34" charset="0"/>
+                <a:cs typeface="Arial" panose="020B0604020202020204" pitchFamily="34" charset="0"/>
+              </a:rPr>
+              <a:t>Cross-Validation Setup</a:t>
+            </a:r>
+            <a:endParaRPr lang="en-US" sz="2000" b="1" dirty="0">
+              <a:latin typeface="Arial" panose="020B0604020202020204" pitchFamily="34" charset="0"/>
+              <a:cs typeface="Arial" panose="020B0604020202020204" pitchFamily="34" charset="0"/>
+            </a:endParaRPr>
           </a:p>
           <a:p>
             <a:pPr algn="just"/>
             <a:r>
-              <a:rPr lang="en-IN" altLang="en-US" dirty="0"/>
+              <a:rPr lang="en-IN" altLang="en-US" dirty="0">
+                <a:latin typeface="Arial" panose="020B0604020202020204" pitchFamily="34" charset="0"/>
+                <a:cs typeface="Arial" panose="020B0604020202020204" pitchFamily="34" charset="0"/>
+              </a:rPr>
               <a:t>	</a:t>
             </a:r>
             <a:r>
-              <a:rPr lang="en-US" dirty="0"/>
+              <a:rPr lang="en-US" dirty="0">
+                <a:latin typeface="Arial" panose="020B0604020202020204" pitchFamily="34" charset="0"/>
+                <a:cs typeface="Arial" panose="020B0604020202020204" pitchFamily="34" charset="0"/>
+              </a:rPr>
               <a:t>To mitigate the risk of overfitting during the model training phase, we implemented a robust cross-validation setup.</a:t>
             </a:r>
-            <a:endParaRPr lang="en-US" dirty="0"/>
+            <a:endParaRPr lang="en-US" dirty="0">
+              <a:latin typeface="Arial" panose="020B0604020202020204" pitchFamily="34" charset="0"/>
+              <a:cs typeface="Arial" panose="020B0604020202020204" pitchFamily="34" charset="0"/>
+            </a:endParaRPr>
           </a:p>
           <a:p>
             <a:pPr algn="just"/>
             <a:r>
-              <a:rPr lang="en-US" sz="2000" b="1" dirty="0"/>
+              <a:rPr lang="en-US" sz="2000" b="1" dirty="0">
+                <a:latin typeface="Arial" panose="020B0604020202020204" pitchFamily="34" charset="0"/>
+                <a:cs typeface="Arial" panose="020B0604020202020204" pitchFamily="34" charset="0"/>
+              </a:rPr>
               <a:t>•Hyper-Parameter Optimization</a:t>
             </a:r>
-            <a:endParaRPr lang="en-US" sz="2000" b="1" dirty="0"/>
+            <a:endParaRPr lang="en-US" sz="2000" b="1" dirty="0">
+              <a:latin typeface="Arial" panose="020B0604020202020204" pitchFamily="34" charset="0"/>
+              <a:cs typeface="Arial" panose="020B0604020202020204" pitchFamily="34" charset="0"/>
+            </a:endParaRPr>
           </a:p>
           <a:p>
             <a:pPr algn="just"/>
             <a:r>
-              <a:rPr lang="en-IN" altLang="en-US" dirty="0"/>
+              <a:rPr lang="en-IN" altLang="en-US" dirty="0">
+                <a:latin typeface="Arial" panose="020B0604020202020204" pitchFamily="34" charset="0"/>
+                <a:cs typeface="Arial" panose="020B0604020202020204" pitchFamily="34" charset="0"/>
+              </a:rPr>
               <a:t>	</a:t>
             </a:r>
             <a:r>
-              <a:rPr lang="en-US" dirty="0"/>
+              <a:rPr lang="en-US" dirty="0">
+                <a:latin typeface="Arial" panose="020B0604020202020204" pitchFamily="34" charset="0"/>
+                <a:cs typeface="Arial" panose="020B0604020202020204" pitchFamily="34" charset="0"/>
+              </a:rPr>
               <a:t>In order to optimize the hyperparameters of our models, we employed the sophisticated Optuna framework. Our approach involved defining an objective function that was executed for a sample run with a random fold, allowing us to identify the best hyperparameters.</a:t>
             </a:r>
-            <a:endParaRPr lang="en-US" dirty="0"/>
+            <a:endParaRPr lang="en-US" dirty="0">
+              <a:latin typeface="Arial" panose="020B0604020202020204" pitchFamily="34" charset="0"/>
+              <a:cs typeface="Arial" panose="020B0604020202020204" pitchFamily="34" charset="0"/>
+            </a:endParaRPr>
           </a:p>
           <a:p>
             <a:pPr algn="just"/>
             <a:r>
-              <a:rPr lang="en-US" sz="2000" b="1" dirty="0"/>
+              <a:rPr lang="en-US" sz="2000" b="1" dirty="0">
+                <a:latin typeface="Arial" panose="020B0604020202020204" pitchFamily="34" charset="0"/>
+                <a:cs typeface="Arial" panose="020B0604020202020204" pitchFamily="34" charset="0"/>
+              </a:rPr>
               <a:t>•Model Evaluation</a:t>
             </a:r>
-            <a:endParaRPr lang="en-US" sz="2000" b="1" dirty="0"/>
+            <a:endParaRPr lang="en-US" sz="2000" b="1" dirty="0">
+              <a:latin typeface="Arial" panose="020B0604020202020204" pitchFamily="34" charset="0"/>
+              <a:cs typeface="Arial" panose="020B0604020202020204" pitchFamily="34" charset="0"/>
+            </a:endParaRPr>
           </a:p>
           <a:p>
             <a:pPr algn="just"/>
             <a:r>
-              <a:rPr lang="en-IN" altLang="en-US" dirty="0"/>
+              <a:rPr lang="en-IN" altLang="en-US" dirty="0">
+                <a:latin typeface="Arial" panose="020B0604020202020204" pitchFamily="34" charset="0"/>
+                <a:cs typeface="Arial" panose="020B0604020202020204" pitchFamily="34" charset="0"/>
+              </a:rPr>
               <a:t>	</a:t>
             </a:r>
             <a:r>
-              <a:rPr lang="en-US" dirty="0"/>
+              <a:rPr lang="en-US" dirty="0">
+                <a:latin typeface="Arial" panose="020B0604020202020204" pitchFamily="34" charset="0"/>
+                <a:cs typeface="Arial" panose="020B0604020202020204" pitchFamily="34" charset="0"/>
+              </a:rPr>
               <a:t>The test dataset, constituting 1/15th of the overall dataset, was employed to assess the performance of the model. The hyperparameter optimization process focused on minimizing the root mean square error (RMSE) as a measure of accuracy.</a:t>
             </a:r>
-            <a:endParaRPr lang="en-US" dirty="0"/>
+            <a:endParaRPr lang="en-US" dirty="0">
+              <a:latin typeface="Arial" panose="020B0604020202020204" pitchFamily="34" charset="0"/>
+              <a:cs typeface="Arial" panose="020B0604020202020204" pitchFamily="34" charset="0"/>
+            </a:endParaRPr>
           </a:p>
         </p:txBody>
       </p:sp>
@@ -5325,7 +5378,7 @@
         <p:spPr>
           <a:xfrm>
             <a:off x="1066800" y="2014855"/>
-            <a:ext cx="10663555" cy="3784600"/>
+            <a:ext cx="10663555" cy="4092575"/>
           </a:xfrm>
           <a:prstGeom prst="rect">
             <a:avLst/>
@@ -5494,9 +5547,29 @@
                 <a:latin typeface="Calibri" panose="020F0502020204030204" pitchFamily="34" charset="0"/>
                 <a:cs typeface="Calibri" panose="020F0502020204030204" pitchFamily="34" charset="0"/>
               </a:rPr>
-              <a:t>The fully operational code was obtained from the code repository using Git and deployed on an AWS EC2 instance. </a:t>
+              <a:t>The fully operational code was obtained from the code repository using Git and deployed on an AWS EC2 instance.  It can be found at - </a:t>
             </a:r>
             <a:endParaRPr lang="en-US" sz="2000" dirty="0">
+              <a:latin typeface="Calibri" panose="020F0502020204030204" pitchFamily="34" charset="0"/>
+              <a:cs typeface="Calibri" panose="020F0502020204030204" pitchFamily="34" charset="0"/>
+            </a:endParaRPr>
+          </a:p>
+          <a:p>
+            <a:pPr algn="just"/>
+            <a:r>
+              <a:rPr lang="en-US" sz="2000" u="sng" dirty="0">
+                <a:solidFill>
+                  <a:srgbClr val="0070C0"/>
+                </a:solidFill>
+                <a:latin typeface="Calibri" panose="020F0502020204030204" pitchFamily="34" charset="0"/>
+                <a:cs typeface="Calibri" panose="020F0502020204030204" pitchFamily="34" charset="0"/>
+              </a:rPr>
+              <a:t>http://ec2-43-204-230-6.ap-south-1.compute.amazonaws.com:3000/</a:t>
+            </a:r>
+            <a:endParaRPr lang="en-US" sz="2000" u="sng" dirty="0">
+              <a:solidFill>
+                <a:srgbClr val="0070C0"/>
+              </a:solidFill>
               <a:latin typeface="Calibri" panose="020F0502020204030204" pitchFamily="34" charset="0"/>
               <a:cs typeface="Calibri" panose="020F0502020204030204" pitchFamily="34" charset="0"/>
             </a:endParaRPr>
